--- a/스크린샷/icon.pptx
+++ b/스크린샷/icon.pptx
@@ -107,6 +107,11 @@
       </a:defRPr>
     </a:lvl9pPr>
   </p:defaultTextStyle>
+  <p:extLst>
+    <p:ext uri="{EFAFB233-063F-42B5-8137-9DF3F51BA10A}">
+      <p15:sldGuideLst xmlns:p15="http://schemas.microsoft.com/office/powerpoint/2012/main"/>
+    </p:ext>
+  </p:extLst>
 </p:presentation>
 </file>
 
@@ -259,7 +264,7 @@
           <a:p>
             <a:fld id="{AF8B7CA6-0971-2D47-B27A-3AC4D757E252}" type="datetimeFigureOut">
               <a:rPr kumimoji="1" lang="ko-Kore-KR" altLang="en-US" smtClean="0"/>
-              <a:t>2022. 6. 23.</a:t>
+              <a:t>2022. 7. 16.</a:t>
             </a:fld>
             <a:endParaRPr kumimoji="1" lang="ko-Kore-KR" altLang="en-US"/>
           </a:p>
@@ -459,7 +464,7 @@
           <a:p>
             <a:fld id="{AF8B7CA6-0971-2D47-B27A-3AC4D757E252}" type="datetimeFigureOut">
               <a:rPr kumimoji="1" lang="ko-Kore-KR" altLang="en-US" smtClean="0"/>
-              <a:t>2022. 6. 23.</a:t>
+              <a:t>2022. 7. 16.</a:t>
             </a:fld>
             <a:endParaRPr kumimoji="1" lang="ko-Kore-KR" altLang="en-US"/>
           </a:p>
@@ -669,7 +674,7 @@
           <a:p>
             <a:fld id="{AF8B7CA6-0971-2D47-B27A-3AC4D757E252}" type="datetimeFigureOut">
               <a:rPr kumimoji="1" lang="ko-Kore-KR" altLang="en-US" smtClean="0"/>
-              <a:t>2022. 6. 23.</a:t>
+              <a:t>2022. 7. 16.</a:t>
             </a:fld>
             <a:endParaRPr kumimoji="1" lang="ko-Kore-KR" altLang="en-US"/>
           </a:p>
@@ -869,7 +874,7 @@
           <a:p>
             <a:fld id="{AF8B7CA6-0971-2D47-B27A-3AC4D757E252}" type="datetimeFigureOut">
               <a:rPr kumimoji="1" lang="ko-Kore-KR" altLang="en-US" smtClean="0"/>
-              <a:t>2022. 6. 23.</a:t>
+              <a:t>2022. 7. 16.</a:t>
             </a:fld>
             <a:endParaRPr kumimoji="1" lang="ko-Kore-KR" altLang="en-US"/>
           </a:p>
@@ -1145,7 +1150,7 @@
           <a:p>
             <a:fld id="{AF8B7CA6-0971-2D47-B27A-3AC4D757E252}" type="datetimeFigureOut">
               <a:rPr kumimoji="1" lang="ko-Kore-KR" altLang="en-US" smtClean="0"/>
-              <a:t>2022. 6. 23.</a:t>
+              <a:t>2022. 7. 16.</a:t>
             </a:fld>
             <a:endParaRPr kumimoji="1" lang="ko-Kore-KR" altLang="en-US"/>
           </a:p>
@@ -1413,7 +1418,7 @@
           <a:p>
             <a:fld id="{AF8B7CA6-0971-2D47-B27A-3AC4D757E252}" type="datetimeFigureOut">
               <a:rPr kumimoji="1" lang="ko-Kore-KR" altLang="en-US" smtClean="0"/>
-              <a:t>2022. 6. 23.</a:t>
+              <a:t>2022. 7. 16.</a:t>
             </a:fld>
             <a:endParaRPr kumimoji="1" lang="ko-Kore-KR" altLang="en-US"/>
           </a:p>
@@ -1828,7 +1833,7 @@
           <a:p>
             <a:fld id="{AF8B7CA6-0971-2D47-B27A-3AC4D757E252}" type="datetimeFigureOut">
               <a:rPr kumimoji="1" lang="ko-Kore-KR" altLang="en-US" smtClean="0"/>
-              <a:t>2022. 6. 23.</a:t>
+              <a:t>2022. 7. 16.</a:t>
             </a:fld>
             <a:endParaRPr kumimoji="1" lang="ko-Kore-KR" altLang="en-US"/>
           </a:p>
@@ -1970,7 +1975,7 @@
           <a:p>
             <a:fld id="{AF8B7CA6-0971-2D47-B27A-3AC4D757E252}" type="datetimeFigureOut">
               <a:rPr kumimoji="1" lang="ko-Kore-KR" altLang="en-US" smtClean="0"/>
-              <a:t>2022. 6. 23.</a:t>
+              <a:t>2022. 7. 16.</a:t>
             </a:fld>
             <a:endParaRPr kumimoji="1" lang="ko-Kore-KR" altLang="en-US"/>
           </a:p>
@@ -2083,7 +2088,7 @@
           <a:p>
             <a:fld id="{AF8B7CA6-0971-2D47-B27A-3AC4D757E252}" type="datetimeFigureOut">
               <a:rPr kumimoji="1" lang="ko-Kore-KR" altLang="en-US" smtClean="0"/>
-              <a:t>2022. 6. 23.</a:t>
+              <a:t>2022. 7. 16.</a:t>
             </a:fld>
             <a:endParaRPr kumimoji="1" lang="ko-Kore-KR" altLang="en-US"/>
           </a:p>
@@ -2396,7 +2401,7 @@
           <a:p>
             <a:fld id="{AF8B7CA6-0971-2D47-B27A-3AC4D757E252}" type="datetimeFigureOut">
               <a:rPr kumimoji="1" lang="ko-Kore-KR" altLang="en-US" smtClean="0"/>
-              <a:t>2022. 6. 23.</a:t>
+              <a:t>2022. 7. 16.</a:t>
             </a:fld>
             <a:endParaRPr kumimoji="1" lang="ko-Kore-KR" altLang="en-US"/>
           </a:p>
@@ -2685,7 +2690,7 @@
           <a:p>
             <a:fld id="{AF8B7CA6-0971-2D47-B27A-3AC4D757E252}" type="datetimeFigureOut">
               <a:rPr kumimoji="1" lang="ko-Kore-KR" altLang="en-US" smtClean="0"/>
-              <a:t>2022. 6. 23.</a:t>
+              <a:t>2022. 7. 16.</a:t>
             </a:fld>
             <a:endParaRPr kumimoji="1" lang="ko-Kore-KR" altLang="en-US"/>
           </a:p>
@@ -2928,7 +2933,7 @@
           <a:p>
             <a:fld id="{AF8B7CA6-0971-2D47-B27A-3AC4D757E252}" type="datetimeFigureOut">
               <a:rPr kumimoji="1" lang="ko-Kore-KR" altLang="en-US" smtClean="0"/>
-              <a:t>2022. 6. 23.</a:t>
+              <a:t>2022. 7. 16.</a:t>
             </a:fld>
             <a:endParaRPr kumimoji="1" lang="ko-Kore-KR" altLang="en-US"/>
           </a:p>
@@ -3934,34 +3939,33 @@
       </p:grpSpPr>
       <p:sp>
         <p:nvSpPr>
-          <p:cNvPr id="4" name="타원 3">
-            <a:extLst>
-              <a:ext uri="{FF2B5EF4-FFF2-40B4-BE49-F238E27FC236}">
-                <a16:creationId xmlns:a16="http://schemas.microsoft.com/office/drawing/2014/main" id="{9AA1B200-C283-4970-F221-B33C6CD40DD3}"/>
-              </a:ext>
-            </a:extLst>
-          </p:cNvPr>
-          <p:cNvSpPr/>
+          <p:cNvPr id="6" name="타원 5">
+            <a:extLst>
+              <a:ext uri="{FF2B5EF4-FFF2-40B4-BE49-F238E27FC236}">
+                <a16:creationId xmlns:a16="http://schemas.microsoft.com/office/drawing/2014/main" id="{95D9D108-4F83-B2B3-D561-230203111BE1}"/>
+              </a:ext>
+            </a:extLst>
+          </p:cNvPr>
+          <p:cNvSpPr>
+            <a:spLocks noChangeAspect="1"/>
+          </p:cNvSpPr>
           <p:nvPr/>
         </p:nvSpPr>
         <p:spPr>
           <a:xfrm>
-            <a:off x="4263072" y="2054738"/>
-            <a:ext cx="3193774" cy="3193774"/>
+            <a:off x="6750608" y="2054738"/>
+            <a:ext cx="1827023" cy="1827023"/>
           </a:xfrm>
           <a:prstGeom prst="ellipse">
             <a:avLst/>
           </a:prstGeom>
           <a:gradFill>
             <a:gsLst>
+              <a:gs pos="100000">
+                <a:srgbClr val="5F83E3"/>
+              </a:gs>
               <a:gs pos="0">
-                <a:schemeClr val="accent6">
-                  <a:lumMod val="60000"/>
-                  <a:lumOff val="40000"/>
-                </a:schemeClr>
-              </a:gs>
-              <a:gs pos="100000">
-                <a:srgbClr val="00B050"/>
+                <a:srgbClr val="4762AA"/>
               </a:gs>
             </a:gsLst>
             <a:lin ang="0" scaled="1"/>
@@ -3971,7 +3975,7 @@
           </a:ln>
           <a:effectLst>
             <a:outerShdw blurRad="414062" dist="38100" dir="5400000" sx="108789" sy="108789" algn="t" rotWithShape="0">
-              <a:schemeClr val="accent6">
+              <a:schemeClr val="accent5">
                 <a:alpha val="12000"/>
               </a:schemeClr>
             </a:outerShdw>
@@ -4004,6 +4008,73 @@
       </p:sp>
       <p:sp>
         <p:nvSpPr>
+          <p:cNvPr id="4" name="타원 3">
+            <a:extLst>
+              <a:ext uri="{FF2B5EF4-FFF2-40B4-BE49-F238E27FC236}">
+                <a16:creationId xmlns:a16="http://schemas.microsoft.com/office/drawing/2014/main" id="{9AA1B200-C283-4970-F221-B33C6CD40DD3}"/>
+              </a:ext>
+            </a:extLst>
+          </p:cNvPr>
+          <p:cNvSpPr/>
+          <p:nvPr/>
+        </p:nvSpPr>
+        <p:spPr>
+          <a:xfrm>
+            <a:off x="4263072" y="2054738"/>
+            <a:ext cx="3193774" cy="3193774"/>
+          </a:xfrm>
+          <a:prstGeom prst="ellipse">
+            <a:avLst/>
+          </a:prstGeom>
+          <a:gradFill>
+            <a:gsLst>
+              <a:gs pos="0">
+                <a:srgbClr val="6C93FF"/>
+              </a:gs>
+              <a:gs pos="100000">
+                <a:srgbClr val="7072E6"/>
+              </a:gs>
+            </a:gsLst>
+            <a:lin ang="0" scaled="1"/>
+          </a:gradFill>
+          <a:ln>
+            <a:noFill/>
+          </a:ln>
+          <a:effectLst>
+            <a:outerShdw blurRad="414062" dist="38100" dir="5400000" sx="108789" sy="108789" algn="t" rotWithShape="0">
+              <a:srgbClr val="6C93FF">
+                <a:alpha val="12000"/>
+              </a:srgbClr>
+            </a:outerShdw>
+          </a:effectLst>
+        </p:spPr>
+        <p:style>
+          <a:lnRef idx="2">
+            <a:schemeClr val="accent1">
+              <a:shade val="50000"/>
+            </a:schemeClr>
+          </a:lnRef>
+          <a:fillRef idx="1">
+            <a:schemeClr val="accent1"/>
+          </a:fillRef>
+          <a:effectRef idx="0">
+            <a:schemeClr val="accent1"/>
+          </a:effectRef>
+          <a:fontRef idx="minor">
+            <a:schemeClr val="lt1"/>
+          </a:fontRef>
+        </p:style>
+        <p:txBody>
+          <a:bodyPr rtlCol="0" anchor="ctr"/>
+          <a:lstStyle/>
+          <a:p>
+            <a:pPr algn="ctr"/>
+            <a:endParaRPr kumimoji="1" lang="ko-Kore-KR" altLang="en-US"/>
+          </a:p>
+        </p:txBody>
+      </p:sp>
+      <p:sp>
+        <p:nvSpPr>
           <p:cNvPr id="10" name="타원 9">
             <a:extLst>
               <a:ext uri="{FF2B5EF4-FFF2-40B4-BE49-F238E27FC236}">
@@ -4025,15 +4096,13 @@
           <a:gradFill>
             <a:gsLst>
               <a:gs pos="100000">
-                <a:schemeClr val="accent6">
-                  <a:lumMod val="20000"/>
-                  <a:lumOff val="80000"/>
+                <a:schemeClr val="bg1">
+                  <a:alpha val="20000"/>
                 </a:schemeClr>
               </a:gs>
               <a:gs pos="0">
-                <a:schemeClr val="accent6">
-                  <a:lumMod val="20000"/>
-                  <a:lumOff val="80000"/>
+                <a:schemeClr val="bg1">
+                  <a:alpha val="10000"/>
                 </a:schemeClr>
               </a:gs>
             </a:gsLst>
@@ -4064,18 +4133,6 @@
           <a:lstStyle/>
           <a:p>
             <a:pPr algn="ctr"/>
-            <a:r>
-              <a:rPr kumimoji="1" lang="en-US" altLang="ko-Kore-KR" sz="9600" b="1" dirty="0">
-                <a:solidFill>
-                  <a:schemeClr val="accent6">
-                    <a:lumMod val="50000"/>
-                  </a:schemeClr>
-                </a:solidFill>
-                <a:latin typeface="Hiragino Kaku Gothic Std W8" panose="020B0800000000000000" pitchFamily="34" charset="-128"/>
-                <a:ea typeface="Hiragino Kaku Gothic Std W8" panose="020B0800000000000000" pitchFamily="34" charset="-128"/>
-              </a:rPr>
-              <a:t>2</a:t>
-            </a:r>
             <a:endParaRPr kumimoji="1" lang="ko-Kore-KR" altLang="en-US" sz="9600" b="1" dirty="0">
               <a:solidFill>
                 <a:schemeClr val="accent6">
@@ -4088,6 +4145,130 @@
           </a:p>
         </p:txBody>
       </p:sp>
+      <p:pic>
+        <p:nvPicPr>
+          <p:cNvPr id="3" name="그래픽 2" descr="단일 톱니바퀴 단색으로 채워진">
+            <a:extLst>
+              <a:ext uri="{FF2B5EF4-FFF2-40B4-BE49-F238E27FC236}">
+                <a16:creationId xmlns:a16="http://schemas.microsoft.com/office/drawing/2014/main" id="{3E6AB3A8-0BD0-3D26-2433-8D955EC41140}"/>
+              </a:ext>
+            </a:extLst>
+          </p:cNvPr>
+          <p:cNvPicPr>
+            <a:picLocks noChangeAspect="1"/>
+          </p:cNvPicPr>
+          <p:nvPr/>
+        </p:nvPicPr>
+        <p:blipFill>
+          <a:blip r:embed="rId2">
+            <a:extLst>
+              <a:ext uri="{96DAC541-7B7A-43D3-8B79-37D633B846F1}">
+                <asvg:svgBlip xmlns:asvg="http://schemas.microsoft.com/office/drawing/2016/SVG/main" r:embed="rId3"/>
+              </a:ext>
+            </a:extLst>
+          </a:blip>
+          <a:stretch>
+            <a:fillRect/>
+          </a:stretch>
+        </p:blipFill>
+        <p:spPr>
+          <a:xfrm>
+            <a:off x="4263072" y="2054738"/>
+            <a:ext cx="3193774" cy="3193774"/>
+          </a:xfrm>
+          <a:prstGeom prst="rect">
+            <a:avLst/>
+          </a:prstGeom>
+        </p:spPr>
+      </p:pic>
+      <p:sp>
+        <p:nvSpPr>
+          <p:cNvPr id="9" name="타원 8">
+            <a:extLst>
+              <a:ext uri="{FF2B5EF4-FFF2-40B4-BE49-F238E27FC236}">
+                <a16:creationId xmlns:a16="http://schemas.microsoft.com/office/drawing/2014/main" id="{66A402F8-ECF6-6749-8BD7-57C190B6D22F}"/>
+              </a:ext>
+            </a:extLst>
+          </p:cNvPr>
+          <p:cNvSpPr/>
+          <p:nvPr/>
+        </p:nvSpPr>
+        <p:spPr>
+          <a:xfrm>
+            <a:off x="7194490" y="2513976"/>
+            <a:ext cx="976045" cy="908543"/>
+          </a:xfrm>
+          <a:prstGeom prst="ellipse">
+            <a:avLst/>
+          </a:prstGeom>
+          <a:solidFill>
+            <a:srgbClr val="6B94FF"/>
+          </a:solidFill>
+          <a:ln>
+            <a:noFill/>
+          </a:ln>
+        </p:spPr>
+        <p:style>
+          <a:lnRef idx="2">
+            <a:schemeClr val="accent1">
+              <a:shade val="50000"/>
+            </a:schemeClr>
+          </a:lnRef>
+          <a:fillRef idx="1">
+            <a:schemeClr val="accent1"/>
+          </a:fillRef>
+          <a:effectRef idx="0">
+            <a:schemeClr val="accent1"/>
+          </a:effectRef>
+          <a:fontRef idx="minor">
+            <a:schemeClr val="lt1"/>
+          </a:fontRef>
+        </p:style>
+        <p:txBody>
+          <a:bodyPr rtlCol="0" anchor="ctr"/>
+          <a:lstStyle/>
+          <a:p>
+            <a:pPr algn="ctr"/>
+            <a:endParaRPr kumimoji="1" lang="ko-Kore-KR" altLang="en-US"/>
+          </a:p>
+        </p:txBody>
+      </p:sp>
+      <p:pic>
+        <p:nvPicPr>
+          <p:cNvPr id="5" name="그래픽 4" descr="단일 톱니바퀴 단색으로 채워진">
+            <a:extLst>
+              <a:ext uri="{FF2B5EF4-FFF2-40B4-BE49-F238E27FC236}">
+                <a16:creationId xmlns:a16="http://schemas.microsoft.com/office/drawing/2014/main" id="{5C910B3B-9A07-F6E4-FECE-C41157B62D65}"/>
+              </a:ext>
+            </a:extLst>
+          </p:cNvPr>
+          <p:cNvPicPr>
+            <a:picLocks noChangeAspect="1"/>
+          </p:cNvPicPr>
+          <p:nvPr/>
+        </p:nvPicPr>
+        <p:blipFill>
+          <a:blip r:embed="rId4">
+            <a:extLst>
+              <a:ext uri="{96DAC541-7B7A-43D3-8B79-37D633B846F1}">
+                <asvg:svgBlip xmlns:asvg="http://schemas.microsoft.com/office/drawing/2016/SVG/main" r:embed="rId5"/>
+              </a:ext>
+            </a:extLst>
+          </a:blip>
+          <a:stretch>
+            <a:fillRect/>
+          </a:stretch>
+        </p:blipFill>
+        <p:spPr>
+          <a:xfrm rot="20332810">
+            <a:off x="6769002" y="2054737"/>
+            <a:ext cx="1827023" cy="1827023"/>
+          </a:xfrm>
+          <a:prstGeom prst="rect">
+            <a:avLst/>
+          </a:prstGeom>
+        </p:spPr>
+      </p:pic>
     </p:spTree>
     <p:extLst>
       <p:ext uri="{BB962C8B-B14F-4D97-AF65-F5344CB8AC3E}">
